--- a/presentation/old_interim presentation_with2Comments.pptx
+++ b/presentation/old_interim presentation_with2Comments.pptx
@@ -157,15 +157,6 @@
 
 <file path=ppt/comments/comment1.xml><?xml version="1.0" encoding="utf-8"?>
 <p:cmLst xmlns:a="http://schemas.openxmlformats.org/drawingml/2006/main" xmlns:r="http://schemas.openxmlformats.org/officeDocument/2006/relationships" xmlns:p="http://schemas.openxmlformats.org/presentationml/2006/main">
-  <p:cm authorId="3" dt="2020-07-20T16:09:51.528" idx="8">
-    <p:pos x="1738" y="3293"/>
-    <p:text>use proper citation format</p:text>
-  </p:cm>
-</p:cmLst>
-</file>
-
-<file path=ppt/comments/comment2.xml><?xml version="1.0" encoding="utf-8"?>
-<p:cmLst xmlns:a="http://schemas.openxmlformats.org/drawingml/2006/main" xmlns:r="http://schemas.openxmlformats.org/officeDocument/2006/relationships" xmlns:p="http://schemas.openxmlformats.org/presentationml/2006/main">
   <p:cm authorId="3" dt="2020-07-20T16:28:21.988" idx="20">
     <p:pos x="4877" y="2995"/>
     <p:text>how do you get bechmark application for this design?</p:text>
@@ -177,7 +168,7 @@
 </p:cmLst>
 </file>
 
-<file path=ppt/comments/comment3.xml><?xml version="1.0" encoding="utf-8"?>
+<file path=ppt/comments/comment2.xml><?xml version="1.0" encoding="utf-8"?>
 <p:cmLst xmlns:a="http://schemas.openxmlformats.org/drawingml/2006/main" xmlns:r="http://schemas.openxmlformats.org/officeDocument/2006/relationships" xmlns:p="http://schemas.openxmlformats.org/presentationml/2006/main">
   <p:cm authorId="3" dt="2020-07-20T16:31:03.954" idx="22">
     <p:pos x="4531" y="1286"/>
@@ -186,7 +177,7 @@
 </p:cmLst>
 </file>
 
-<file path=ppt/comments/comment4.xml><?xml version="1.0" encoding="utf-8"?>
+<file path=ppt/comments/comment3.xml><?xml version="1.0" encoding="utf-8"?>
 <p:cmLst xmlns:a="http://schemas.openxmlformats.org/drawingml/2006/main" xmlns:r="http://schemas.openxmlformats.org/officeDocument/2006/relationships" xmlns:p="http://schemas.openxmlformats.org/presentationml/2006/main">
   <p:cm authorId="3" dt="2020-07-20T16:29:21.634" idx="21">
     <p:pos x="3130" y="1949"/>
@@ -7074,7 +7065,7 @@
               <a:rPr lang="en-IN" altLang="en-US" sz="2400" dirty="0">
                 <a:sym typeface="+mn-ea"/>
               </a:rPr>
-              <a:t>Analyze the multithreading languages using different performance parameters.[5] </a:t>
+              <a:t>Analyze the multithreading languages using different performance parameters.</a:t>
             </a:r>
             <a:endParaRPr lang="en-IN" altLang="en-US" sz="2400" dirty="0"/>
           </a:p>
